--- a/files/PPT/初審簡報 美化版.pptx
+++ b/files/PPT/初審簡報 美化版.pptx
@@ -166,7 +166,7 @@
 
 <file path=ppt/commentAuthors.xml><?xml version="1.0" encoding="utf-8"?>
 <p:cmAuthorLst xmlns:a="http://schemas.openxmlformats.org/drawingml/2006/main" xmlns:r="http://schemas.openxmlformats.org/officeDocument/2006/relationships" xmlns:p="http://schemas.openxmlformats.org/presentationml/2006/main">
-  <p:cmAuthor id="1" name="user" initials="u" lastIdx="1" clrIdx="0">
+  <p:cmAuthor id="1" name="user" initials="u" lastIdx="2" clrIdx="0">
     <p:extLst>
       <p:ext uri="{19B8F6BF-5375-455C-9EA6-DF929625EA0E}">
         <p15:presenceInfo xmlns:p15="http://schemas.microsoft.com/office/powerpoint/2012/main" userId="user" providerId="None"/>
@@ -262,7 +262,7 @@
               <a:rPr lang="zh-CN" altLang="en-US" smtClean="0">
                 <a:latin typeface="字魂59号-创粗黑" panose="00000500000000000000" pitchFamily="2" charset="-122"/>
               </a:rPr>
-              <a:t>2020/5/6</a:t>
+              <a:t>2020/5/8</a:t>
             </a:fld>
             <a:endParaRPr lang="zh-CN" altLang="en-US" dirty="0">
               <a:latin typeface="字魂59号-创粗黑" panose="00000500000000000000" pitchFamily="2" charset="-122"/>
@@ -440,7 +440,7 @@
             <a:fld id="{6A2B73EA-EE91-4E33-A9C1-8BF5DD7139A2}" type="datetimeFigureOut">
               <a:rPr lang="zh-CN" altLang="en-US" smtClean="0"/>
               <a:pPr/>
-              <a:t>2020/5/6</a:t>
+              <a:t>2020/5/8</a:t>
             </a:fld>
             <a:endParaRPr lang="zh-CN" altLang="en-US" dirty="0"/>
           </a:p>
@@ -1561,7 +1561,7 @@
           <a:p>
             <a:fld id="{530820CF-B880-4189-942D-D702A7CBA730}" type="datetimeFigureOut">
               <a:rPr lang="zh-CN" altLang="en-US" smtClean="0"/>
-              <a:t>2020/5/6</a:t>
+              <a:t>2020/5/8</a:t>
             </a:fld>
             <a:endParaRPr lang="zh-CN" altLang="en-US"/>
           </a:p>
@@ -1663,7 +1663,7 @@
           <a:p>
             <a:fld id="{530820CF-B880-4189-942D-D702A7CBA730}" type="datetimeFigureOut">
               <a:rPr lang="zh-CN" altLang="en-US" smtClean="0"/>
-              <a:t>2020/5/6</a:t>
+              <a:t>2020/5/8</a:t>
             </a:fld>
             <a:endParaRPr lang="zh-CN" altLang="en-US"/>
           </a:p>
@@ -1893,7 +1893,7 @@
             <a:fld id="{530820CF-B880-4189-942D-D702A7CBA730}" type="datetimeFigureOut">
               <a:rPr lang="zh-CN" altLang="en-US" smtClean="0"/>
               <a:pPr/>
-              <a:t>2020/5/6</a:t>
+              <a:t>2020/5/8</a:t>
             </a:fld>
             <a:endParaRPr lang="zh-CN" altLang="en-US" dirty="0"/>
           </a:p>
@@ -4406,66 +4406,6 @@
               </a:rPr>
               <a:t>預期流程</a:t>
             </a:r>
-            <a:r>
-              <a:rPr lang="en-US" altLang="zh-TW" sz="1800" dirty="0">
-                <a:solidFill>
-                  <a:schemeClr val="tx1">
-                    <a:lumMod val="65000"/>
-                    <a:lumOff val="35000"/>
-                  </a:schemeClr>
-                </a:solidFill>
-                <a:latin typeface="字魂59号-创粗黑" panose="00000500000000000000" pitchFamily="2" charset="-122"/>
-                <a:ea typeface="字魂59号-创粗黑" panose="00000500000000000000" pitchFamily="2" charset="-122"/>
-                <a:cs typeface="+mn-ea"/>
-                <a:sym typeface="+mn-lt"/>
-              </a:rPr>
-              <a:t>-UML</a:t>
-            </a:r>
-            <a:r>
-              <a:rPr lang="zh-TW" altLang="en-US" sz="1800" dirty="0">
-                <a:solidFill>
-                  <a:schemeClr val="tx1">
-                    <a:lumMod val="65000"/>
-                    <a:lumOff val="35000"/>
-                  </a:schemeClr>
-                </a:solidFill>
-                <a:latin typeface="字魂59号-创粗黑" panose="00000500000000000000" pitchFamily="2" charset="-122"/>
-                <a:ea typeface="字魂59号-创粗黑" panose="00000500000000000000" pitchFamily="2" charset="-122"/>
-                <a:cs typeface="+mn-ea"/>
-                <a:sym typeface="+mn-lt"/>
-              </a:rPr>
-              <a:t>圖</a:t>
-            </a:r>
-            <a:r>
-              <a:rPr lang="en-US" altLang="zh-TW" sz="1800" dirty="0">
-                <a:solidFill>
-                  <a:schemeClr val="tx1">
-                    <a:lumMod val="65000"/>
-                    <a:lumOff val="35000"/>
-                  </a:schemeClr>
-                </a:solidFill>
-                <a:latin typeface="字魂59号-创粗黑" panose="00000500000000000000" pitchFamily="2" charset="-122"/>
-                <a:ea typeface="字魂59号-创粗黑" panose="00000500000000000000" pitchFamily="2" charset="-122"/>
-                <a:cs typeface="+mn-ea"/>
-                <a:sym typeface="+mn-lt"/>
-              </a:rPr>
-              <a:t>-</a:t>
-            </a:r>
-            <a:r>
-              <a:rPr lang="zh-TW" altLang="en-US" sz="1800" dirty="0">
-                <a:solidFill>
-                  <a:schemeClr val="tx1">
-                    <a:lumMod val="65000"/>
-                    <a:lumOff val="35000"/>
-                  </a:schemeClr>
-                </a:solidFill>
-                <a:latin typeface="字魂59号-创粗黑" panose="00000500000000000000" pitchFamily="2" charset="-122"/>
-                <a:ea typeface="字魂59号-创粗黑" panose="00000500000000000000" pitchFamily="2" charset="-122"/>
-                <a:cs typeface="+mn-ea"/>
-                <a:sym typeface="+mn-lt"/>
-              </a:rPr>
-              <a:t>還傘</a:t>
-            </a:r>
             <a:endParaRPr lang="en-GB" altLang="zh-CN" sz="1800" dirty="0">
               <a:solidFill>
                 <a:schemeClr val="tx1">
@@ -4503,7 +4443,7 @@
         </p:blipFill>
         <p:spPr>
           <a:xfrm>
-            <a:off x="6588224" y="4083918"/>
+            <a:off x="6530315" y="4018984"/>
             <a:ext cx="2555776" cy="1124516"/>
           </a:xfrm>
           <a:prstGeom prst="rect">
@@ -4513,10 +4453,115 @@
       </p:pic>
       <p:pic>
         <p:nvPicPr>
-          <p:cNvPr id="69" name="圖片 68">
+          <p:cNvPr id="3" name="圖片 2">
             <a:extLst>
               <a:ext uri="{FF2B5EF4-FFF2-40B4-BE49-F238E27FC236}">
-                <a16:creationId xmlns:a16="http://schemas.microsoft.com/office/drawing/2014/main" id="{C82C1B5A-0862-4A77-9B7B-2FBCE881BF26}"/>
+                <a16:creationId xmlns:a16="http://schemas.microsoft.com/office/drawing/2014/main" id="{802137DD-B01D-4F0C-AD89-A349F617EA97}"/>
+              </a:ext>
+            </a:extLst>
+          </p:cNvPr>
+          <p:cNvPicPr>
+            <a:picLocks noChangeAspect="1"/>
+          </p:cNvPicPr>
+          <p:nvPr/>
+        </p:nvPicPr>
+        <p:blipFill rotWithShape="1">
+          <a:blip r:embed="rId3" cstate="print">
+            <a:extLst>
+              <a:ext uri="{28A0092B-C50C-407E-A947-70E740481C1C}">
+                <a14:useLocalDpi xmlns:a14="http://schemas.microsoft.com/office/drawing/2010/main" val="0"/>
+              </a:ext>
+            </a:extLst>
+          </a:blip>
+          <a:srcRect l="12810" t="22728" b="15909"/>
+          <a:stretch/>
+        </p:blipFill>
+        <p:spPr>
+          <a:xfrm>
+            <a:off x="3707904" y="181125"/>
+            <a:ext cx="1728192" cy="1216277"/>
+          </a:xfrm>
+          <a:prstGeom prst="rect">
+            <a:avLst/>
+          </a:prstGeom>
+        </p:spPr>
+      </p:pic>
+      <p:pic>
+        <p:nvPicPr>
+          <p:cNvPr id="5" name="圖片 4">
+            <a:extLst>
+              <a:ext uri="{FF2B5EF4-FFF2-40B4-BE49-F238E27FC236}">
+                <a16:creationId xmlns:a16="http://schemas.microsoft.com/office/drawing/2014/main" id="{7437670D-9878-4DD9-82B5-5850AEFFCB04}"/>
+              </a:ext>
+            </a:extLst>
+          </p:cNvPr>
+          <p:cNvPicPr>
+            <a:picLocks noChangeAspect="1"/>
+          </p:cNvPicPr>
+          <p:nvPr/>
+        </p:nvPicPr>
+        <p:blipFill rotWithShape="1">
+          <a:blip r:embed="rId4" cstate="print">
+            <a:extLst>
+              <a:ext uri="{28A0092B-C50C-407E-A947-70E740481C1C}">
+                <a14:useLocalDpi xmlns:a14="http://schemas.microsoft.com/office/drawing/2010/main" val="0"/>
+              </a:ext>
+            </a:extLst>
+          </a:blip>
+          <a:srcRect l="21503" t="8135" r="18947" b="10661"/>
+          <a:stretch/>
+        </p:blipFill>
+        <p:spPr>
+          <a:xfrm>
+            <a:off x="6081465" y="2787774"/>
+            <a:ext cx="897700" cy="1224136"/>
+          </a:xfrm>
+          <a:prstGeom prst="rect">
+            <a:avLst/>
+          </a:prstGeom>
+        </p:spPr>
+      </p:pic>
+      <p:pic>
+        <p:nvPicPr>
+          <p:cNvPr id="7" name="圖片 6">
+            <a:extLst>
+              <a:ext uri="{FF2B5EF4-FFF2-40B4-BE49-F238E27FC236}">
+                <a16:creationId xmlns:a16="http://schemas.microsoft.com/office/drawing/2014/main" id="{5DA6D840-7F73-46F1-8795-BE7E758EBBAF}"/>
+              </a:ext>
+            </a:extLst>
+          </p:cNvPr>
+          <p:cNvPicPr>
+            <a:picLocks noChangeAspect="1"/>
+          </p:cNvPicPr>
+          <p:nvPr/>
+        </p:nvPicPr>
+        <p:blipFill rotWithShape="1">
+          <a:blip r:embed="rId5" cstate="print">
+            <a:extLst>
+              <a:ext uri="{28A0092B-C50C-407E-A947-70E740481C1C}">
+                <a14:useLocalDpi xmlns:a14="http://schemas.microsoft.com/office/drawing/2010/main" val="0"/>
+              </a:ext>
+            </a:extLst>
+          </a:blip>
+          <a:srcRect l="20106" t="20703" r="20574" b="27393"/>
+          <a:stretch/>
+        </p:blipFill>
+        <p:spPr>
+          <a:xfrm>
+            <a:off x="1771751" y="2967794"/>
+            <a:ext cx="1152128" cy="1008112"/>
+          </a:xfrm>
+          <a:prstGeom prst="rect">
+            <a:avLst/>
+          </a:prstGeom>
+        </p:spPr>
+      </p:pic>
+      <p:pic>
+        <p:nvPicPr>
+          <p:cNvPr id="9" name="圖片 8">
+            <a:extLst>
+              <a:ext uri="{FF2B5EF4-FFF2-40B4-BE49-F238E27FC236}">
+                <a16:creationId xmlns:a16="http://schemas.microsoft.com/office/drawing/2014/main" id="{6B682826-A9C8-4D73-9E01-748857A466BB}"/>
               </a:ext>
             </a:extLst>
           </p:cNvPr>
@@ -4526,7 +4571,7 @@
           <p:nvPr/>
         </p:nvPicPr>
         <p:blipFill>
-          <a:blip r:embed="rId3">
+          <a:blip r:embed="rId6" cstate="print">
             <a:extLst>
               <a:ext uri="{28A0092B-C50C-407E-A947-70E740481C1C}">
                 <a14:useLocalDpi xmlns:a14="http://schemas.microsoft.com/office/drawing/2010/main" val="0"/>
@@ -4539,14 +4584,322 @@
         </p:blipFill>
         <p:spPr>
           <a:xfrm>
-            <a:off x="636960" y="915566"/>
-            <a:ext cx="7524328" cy="3797251"/>
+            <a:off x="2566989" y="3471850"/>
+            <a:ext cx="648196" cy="648196"/>
           </a:xfrm>
           <a:prstGeom prst="rect">
             <a:avLst/>
           </a:prstGeom>
         </p:spPr>
       </p:pic>
+      <p:cxnSp>
+        <p:nvCxnSpPr>
+          <p:cNvPr id="11" name="直線單箭頭接點 10">
+            <a:extLst>
+              <a:ext uri="{FF2B5EF4-FFF2-40B4-BE49-F238E27FC236}">
+                <a16:creationId xmlns:a16="http://schemas.microsoft.com/office/drawing/2014/main" id="{46E6DDED-DC92-45CB-9323-6BF00B6B1350}"/>
+              </a:ext>
+            </a:extLst>
+          </p:cNvPr>
+          <p:cNvCxnSpPr>
+            <a:cxnSpLocks/>
+            <a:stCxn id="9" idx="3"/>
+          </p:cNvCxnSpPr>
+          <p:nvPr/>
+        </p:nvCxnSpPr>
+        <p:spPr>
+          <a:xfrm>
+            <a:off x="3215185" y="3795948"/>
+            <a:ext cx="2940991" cy="0"/>
+          </a:xfrm>
+          <a:prstGeom prst="straightConnector1">
+            <a:avLst/>
+          </a:prstGeom>
+          <a:ln>
+            <a:tailEnd type="triangle"/>
+          </a:ln>
+        </p:spPr>
+        <p:style>
+          <a:lnRef idx="1">
+            <a:schemeClr val="accent1"/>
+          </a:lnRef>
+          <a:fillRef idx="0">
+            <a:schemeClr val="accent1"/>
+          </a:fillRef>
+          <a:effectRef idx="0">
+            <a:schemeClr val="accent1"/>
+          </a:effectRef>
+          <a:fontRef idx="minor">
+            <a:schemeClr val="tx1"/>
+          </a:fontRef>
+        </p:style>
+      </p:cxnSp>
+      <p:cxnSp>
+        <p:nvCxnSpPr>
+          <p:cNvPr id="13" name="直線單箭頭接點 12">
+            <a:extLst>
+              <a:ext uri="{FF2B5EF4-FFF2-40B4-BE49-F238E27FC236}">
+                <a16:creationId xmlns:a16="http://schemas.microsoft.com/office/drawing/2014/main" id="{AE5892A7-EF68-49AA-94AD-7B727C415972}"/>
+              </a:ext>
+            </a:extLst>
+          </p:cNvPr>
+          <p:cNvCxnSpPr>
+            <a:cxnSpLocks/>
+          </p:cNvCxnSpPr>
+          <p:nvPr/>
+        </p:nvCxnSpPr>
+        <p:spPr>
+          <a:xfrm flipH="1">
+            <a:off x="2566990" y="1501218"/>
+            <a:ext cx="1152127" cy="1466576"/>
+          </a:xfrm>
+          <a:prstGeom prst="straightConnector1">
+            <a:avLst/>
+          </a:prstGeom>
+          <a:ln>
+            <a:tailEnd type="triangle"/>
+          </a:ln>
+        </p:spPr>
+        <p:style>
+          <a:lnRef idx="1">
+            <a:schemeClr val="accent1"/>
+          </a:lnRef>
+          <a:fillRef idx="0">
+            <a:schemeClr val="accent1"/>
+          </a:fillRef>
+          <a:effectRef idx="0">
+            <a:schemeClr val="accent1"/>
+          </a:effectRef>
+          <a:fontRef idx="minor">
+            <a:schemeClr val="tx1"/>
+          </a:fontRef>
+        </p:style>
+      </p:cxnSp>
+      <p:cxnSp>
+        <p:nvCxnSpPr>
+          <p:cNvPr id="17" name="直線單箭頭接點 16">
+            <a:extLst>
+              <a:ext uri="{FF2B5EF4-FFF2-40B4-BE49-F238E27FC236}">
+                <a16:creationId xmlns:a16="http://schemas.microsoft.com/office/drawing/2014/main" id="{1A23B552-F692-40A2-89CD-55EEEC218473}"/>
+              </a:ext>
+            </a:extLst>
+          </p:cNvPr>
+          <p:cNvCxnSpPr>
+            <a:cxnSpLocks/>
+          </p:cNvCxnSpPr>
+          <p:nvPr/>
+        </p:nvCxnSpPr>
+        <p:spPr>
+          <a:xfrm flipH="1" flipV="1">
+            <a:off x="5292080" y="1501218"/>
+            <a:ext cx="936104" cy="1152128"/>
+          </a:xfrm>
+          <a:prstGeom prst="straightConnector1">
+            <a:avLst/>
+          </a:prstGeom>
+          <a:ln>
+            <a:tailEnd type="triangle"/>
+          </a:ln>
+        </p:spPr>
+        <p:style>
+          <a:lnRef idx="1">
+            <a:schemeClr val="accent1"/>
+          </a:lnRef>
+          <a:fillRef idx="0">
+            <a:schemeClr val="accent1"/>
+          </a:fillRef>
+          <a:effectRef idx="0">
+            <a:schemeClr val="accent1"/>
+          </a:effectRef>
+          <a:fontRef idx="minor">
+            <a:schemeClr val="tx1"/>
+          </a:fontRef>
+        </p:style>
+      </p:cxnSp>
+      <p:sp>
+        <p:nvSpPr>
+          <p:cNvPr id="20" name="文字方塊 19">
+            <a:extLst>
+              <a:ext uri="{FF2B5EF4-FFF2-40B4-BE49-F238E27FC236}">
+                <a16:creationId xmlns:a16="http://schemas.microsoft.com/office/drawing/2014/main" id="{50D1E085-8F58-47D6-98CB-1714C86BEF3B}"/>
+              </a:ext>
+            </a:extLst>
+          </p:cNvPr>
+          <p:cNvSpPr txBox="1"/>
+          <p:nvPr/>
+        </p:nvSpPr>
+        <p:spPr>
+          <a:xfrm>
+            <a:off x="3366528" y="3988618"/>
+            <a:ext cx="2364929" cy="276999"/>
+          </a:xfrm>
+          <a:prstGeom prst="rect">
+            <a:avLst/>
+          </a:prstGeom>
+          <a:noFill/>
+        </p:spPr>
+        <p:txBody>
+          <a:bodyPr wrap="square" rtlCol="0">
+            <a:spAutoFit/>
+          </a:bodyPr>
+          <a:lstStyle/>
+          <a:p>
+            <a:r>
+              <a:rPr lang="zh-TW" altLang="en-US" sz="1200" dirty="0">
+                <a:solidFill>
+                  <a:schemeClr val="tx1">
+                    <a:lumMod val="75000"/>
+                    <a:lumOff val="25000"/>
+                  </a:schemeClr>
+                </a:solidFill>
+                <a:latin typeface="微软雅黑" panose="020B0503020204020204" pitchFamily="34" charset="-122"/>
+                <a:ea typeface="微软雅黑" panose="020B0503020204020204" pitchFamily="34" charset="-122"/>
+              </a:rPr>
+              <a:t>掃描站台</a:t>
+            </a:r>
+            <a:r>
+              <a:rPr lang="en-US" altLang="zh-TW" sz="1200" dirty="0">
+                <a:solidFill>
+                  <a:schemeClr val="tx1">
+                    <a:lumMod val="75000"/>
+                    <a:lumOff val="25000"/>
+                  </a:schemeClr>
+                </a:solidFill>
+                <a:latin typeface="微软雅黑" panose="020B0503020204020204" pitchFamily="34" charset="-122"/>
+                <a:ea typeface="微软雅黑" panose="020B0503020204020204" pitchFamily="34" charset="-122"/>
+              </a:rPr>
+              <a:t>QR</a:t>
+            </a:r>
+            <a:r>
+              <a:rPr lang="zh-TW" altLang="en-US" sz="1200" dirty="0">
+                <a:solidFill>
+                  <a:schemeClr val="tx1">
+                    <a:lumMod val="75000"/>
+                    <a:lumOff val="25000"/>
+                  </a:schemeClr>
+                </a:solidFill>
+                <a:latin typeface="微软雅黑" panose="020B0503020204020204" pitchFamily="34" charset="-122"/>
+                <a:ea typeface="微软雅黑" panose="020B0503020204020204" pitchFamily="34" charset="-122"/>
+              </a:rPr>
+              <a:t> </a:t>
+            </a:r>
+            <a:r>
+              <a:rPr lang="en-US" altLang="zh-TW" sz="1200" dirty="0">
+                <a:solidFill>
+                  <a:schemeClr val="tx1">
+                    <a:lumMod val="75000"/>
+                    <a:lumOff val="25000"/>
+                  </a:schemeClr>
+                </a:solidFill>
+                <a:latin typeface="微软雅黑" panose="020B0503020204020204" pitchFamily="34" charset="-122"/>
+                <a:ea typeface="微软雅黑" panose="020B0503020204020204" pitchFamily="34" charset="-122"/>
+              </a:rPr>
+              <a:t>code</a:t>
+            </a:r>
+            <a:r>
+              <a:rPr lang="zh-TW" altLang="en-US" sz="1200" dirty="0">
+                <a:solidFill>
+                  <a:schemeClr val="tx1">
+                    <a:lumMod val="75000"/>
+                    <a:lumOff val="25000"/>
+                  </a:schemeClr>
+                </a:solidFill>
+                <a:latin typeface="微软雅黑" panose="020B0503020204020204" pitchFamily="34" charset="-122"/>
+                <a:ea typeface="微软雅黑" panose="020B0503020204020204" pitchFamily="34" charset="-122"/>
+              </a:rPr>
+              <a:t>取得傘架資訊</a:t>
+            </a:r>
+          </a:p>
+        </p:txBody>
+      </p:sp>
+      <p:sp>
+        <p:nvSpPr>
+          <p:cNvPr id="21" name="文字方塊 20">
+            <a:extLst>
+              <a:ext uri="{FF2B5EF4-FFF2-40B4-BE49-F238E27FC236}">
+                <a16:creationId xmlns:a16="http://schemas.microsoft.com/office/drawing/2014/main" id="{56E941C3-6644-4C0E-9F94-79E9586BEA61}"/>
+              </a:ext>
+            </a:extLst>
+          </p:cNvPr>
+          <p:cNvSpPr txBox="1"/>
+          <p:nvPr/>
+        </p:nvSpPr>
+        <p:spPr>
+          <a:xfrm>
+            <a:off x="5886499" y="1697248"/>
+            <a:ext cx="2789957" cy="276999"/>
+          </a:xfrm>
+          <a:prstGeom prst="rect">
+            <a:avLst/>
+          </a:prstGeom>
+          <a:noFill/>
+        </p:spPr>
+        <p:txBody>
+          <a:bodyPr wrap="square" rtlCol="0">
+            <a:spAutoFit/>
+          </a:bodyPr>
+          <a:lstStyle/>
+          <a:p>
+            <a:r>
+              <a:rPr lang="zh-TW" altLang="en-US" sz="1200" dirty="0">
+                <a:solidFill>
+                  <a:schemeClr val="tx1">
+                    <a:lumMod val="75000"/>
+                    <a:lumOff val="25000"/>
+                  </a:schemeClr>
+                </a:solidFill>
+                <a:latin typeface="微软雅黑" panose="020B0503020204020204" pitchFamily="34" charset="-122"/>
+                <a:ea typeface="微软雅黑" panose="020B0503020204020204" pitchFamily="34" charset="-122"/>
+              </a:rPr>
+              <a:t>使用者資料連同傘架資料發送至伺服器</a:t>
+            </a:r>
+          </a:p>
+        </p:txBody>
+      </p:sp>
+      <p:sp>
+        <p:nvSpPr>
+          <p:cNvPr id="29" name="文字方塊 28">
+            <a:extLst>
+              <a:ext uri="{FF2B5EF4-FFF2-40B4-BE49-F238E27FC236}">
+                <a16:creationId xmlns:a16="http://schemas.microsoft.com/office/drawing/2014/main" id="{E79C3B76-D8A1-4CB5-8C00-25470F203993}"/>
+              </a:ext>
+            </a:extLst>
+          </p:cNvPr>
+          <p:cNvSpPr txBox="1"/>
+          <p:nvPr/>
+        </p:nvSpPr>
+        <p:spPr>
+          <a:xfrm>
+            <a:off x="780853" y="1800283"/>
+            <a:ext cx="2434332" cy="276999"/>
+          </a:xfrm>
+          <a:prstGeom prst="rect">
+            <a:avLst/>
+          </a:prstGeom>
+          <a:noFill/>
+        </p:spPr>
+        <p:txBody>
+          <a:bodyPr wrap="square" rtlCol="0">
+            <a:spAutoFit/>
+          </a:bodyPr>
+          <a:lstStyle/>
+          <a:p>
+            <a:r>
+              <a:rPr lang="zh-TW" altLang="en-US" sz="1200" dirty="0">
+                <a:solidFill>
+                  <a:schemeClr val="tx1">
+                    <a:lumMod val="75000"/>
+                    <a:lumOff val="25000"/>
+                  </a:schemeClr>
+                </a:solidFill>
+                <a:latin typeface="微软雅黑" panose="020B0503020204020204" pitchFamily="34" charset="-122"/>
+                <a:ea typeface="微软雅黑" panose="020B0503020204020204" pitchFamily="34" charset="-122"/>
+              </a:rPr>
+              <a:t>伺服器對對應站台發送解鎖訊號</a:t>
+            </a:r>
+          </a:p>
+        </p:txBody>
+      </p:sp>
     </p:spTree>
     <p:extLst>
       <p:ext uri="{BB962C8B-B14F-4D97-AF65-F5344CB8AC3E}">
